--- a/AWS EC2 Connections.pptx
+++ b/AWS EC2 Connections.pptx
@@ -6,6 +6,8 @@
   </p:sldMasterIdLst>
   <p:sldIdLst>
     <p:sldId id="256" r:id="rId2"/>
+    <p:sldId id="257" r:id="rId3"/>
+    <p:sldId id="258" r:id="rId4"/>
   </p:sldIdLst>
   <p:sldSz cx="12192000" cy="6858000"/>
   <p:notesSz cx="6858000" cy="9144000"/>
@@ -259,7 +261,7 @@
           <a:p>
             <a:fld id="{1E641BFD-4045-4CF8-ABC6-D629F7CAEBCB}" type="datetimeFigureOut">
               <a:rPr lang="en-US" smtClean="0"/>
-              <a:t>8/23/2019</a:t>
+              <a:t>10/17/2019</a:t>
             </a:fld>
             <a:endParaRPr lang="en-US"/>
           </a:p>
@@ -457,7 +459,7 @@
           <a:p>
             <a:fld id="{1E641BFD-4045-4CF8-ABC6-D629F7CAEBCB}" type="datetimeFigureOut">
               <a:rPr lang="en-US" smtClean="0"/>
-              <a:t>8/23/2019</a:t>
+              <a:t>10/17/2019</a:t>
             </a:fld>
             <a:endParaRPr lang="en-US"/>
           </a:p>
@@ -665,7 +667,7 @@
           <a:p>
             <a:fld id="{1E641BFD-4045-4CF8-ABC6-D629F7CAEBCB}" type="datetimeFigureOut">
               <a:rPr lang="en-US" smtClean="0"/>
-              <a:t>8/23/2019</a:t>
+              <a:t>10/17/2019</a:t>
             </a:fld>
             <a:endParaRPr lang="en-US"/>
           </a:p>
@@ -863,7 +865,7 @@
           <a:p>
             <a:fld id="{1E641BFD-4045-4CF8-ABC6-D629F7CAEBCB}" type="datetimeFigureOut">
               <a:rPr lang="en-US" smtClean="0"/>
-              <a:t>8/23/2019</a:t>
+              <a:t>10/17/2019</a:t>
             </a:fld>
             <a:endParaRPr lang="en-US"/>
           </a:p>
@@ -1138,7 +1140,7 @@
           <a:p>
             <a:fld id="{1E641BFD-4045-4CF8-ABC6-D629F7CAEBCB}" type="datetimeFigureOut">
               <a:rPr lang="en-US" smtClean="0"/>
-              <a:t>8/23/2019</a:t>
+              <a:t>10/17/2019</a:t>
             </a:fld>
             <a:endParaRPr lang="en-US"/>
           </a:p>
@@ -1403,7 +1405,7 @@
           <a:p>
             <a:fld id="{1E641BFD-4045-4CF8-ABC6-D629F7CAEBCB}" type="datetimeFigureOut">
               <a:rPr lang="en-US" smtClean="0"/>
-              <a:t>8/23/2019</a:t>
+              <a:t>10/17/2019</a:t>
             </a:fld>
             <a:endParaRPr lang="en-US"/>
           </a:p>
@@ -1815,7 +1817,7 @@
           <a:p>
             <a:fld id="{1E641BFD-4045-4CF8-ABC6-D629F7CAEBCB}" type="datetimeFigureOut">
               <a:rPr lang="en-US" smtClean="0"/>
-              <a:t>8/23/2019</a:t>
+              <a:t>10/17/2019</a:t>
             </a:fld>
             <a:endParaRPr lang="en-US"/>
           </a:p>
@@ -1956,7 +1958,7 @@
           <a:p>
             <a:fld id="{1E641BFD-4045-4CF8-ABC6-D629F7CAEBCB}" type="datetimeFigureOut">
               <a:rPr lang="en-US" smtClean="0"/>
-              <a:t>8/23/2019</a:t>
+              <a:t>10/17/2019</a:t>
             </a:fld>
             <a:endParaRPr lang="en-US"/>
           </a:p>
@@ -2069,7 +2071,7 @@
           <a:p>
             <a:fld id="{1E641BFD-4045-4CF8-ABC6-D629F7CAEBCB}" type="datetimeFigureOut">
               <a:rPr lang="en-US" smtClean="0"/>
-              <a:t>8/23/2019</a:t>
+              <a:t>10/17/2019</a:t>
             </a:fld>
             <a:endParaRPr lang="en-US"/>
           </a:p>
@@ -2380,7 +2382,7 @@
           <a:p>
             <a:fld id="{1E641BFD-4045-4CF8-ABC6-D629F7CAEBCB}" type="datetimeFigureOut">
               <a:rPr lang="en-US" smtClean="0"/>
-              <a:t>8/23/2019</a:t>
+              <a:t>10/17/2019</a:t>
             </a:fld>
             <a:endParaRPr lang="en-US"/>
           </a:p>
@@ -2668,7 +2670,7 @@
           <a:p>
             <a:fld id="{1E641BFD-4045-4CF8-ABC6-D629F7CAEBCB}" type="datetimeFigureOut">
               <a:rPr lang="en-US" smtClean="0"/>
-              <a:t>8/23/2019</a:t>
+              <a:t>10/17/2019</a:t>
             </a:fld>
             <a:endParaRPr lang="en-US"/>
           </a:p>
@@ -2909,7 +2911,7 @@
           <a:p>
             <a:fld id="{1E641BFD-4045-4CF8-ABC6-D629F7CAEBCB}" type="datetimeFigureOut">
               <a:rPr lang="en-US" smtClean="0"/>
-              <a:t>8/23/2019</a:t>
+              <a:t>10/17/2019</a:t>
             </a:fld>
             <a:endParaRPr lang="en-US"/>
           </a:p>
@@ -4070,6 +4072,581 @@
 </p:sld>
 </file>
 
+<file path=ppt/slides/slide2.xml><?xml version="1.0" encoding="utf-8"?>
+<p:sld xmlns:a="http://schemas.openxmlformats.org/drawingml/2006/main" xmlns:r="http://schemas.openxmlformats.org/officeDocument/2006/relationships" xmlns:p="http://schemas.openxmlformats.org/presentationml/2006/main">
+  <p:cSld>
+    <p:spTree>
+      <p:nvGrpSpPr>
+        <p:cNvPr id="1" name=""/>
+        <p:cNvGrpSpPr/>
+        <p:nvPr/>
+      </p:nvGrpSpPr>
+      <p:grpSpPr>
+        <a:xfrm>
+          <a:off x="0" y="0"/>
+          <a:ext cx="0" cy="0"/>
+          <a:chOff x="0" y="0"/>
+          <a:chExt cx="0" cy="0"/>
+        </a:xfrm>
+      </p:grpSpPr>
+      <p:sp>
+        <p:nvSpPr>
+          <p:cNvPr id="4" name="TextBox 3">
+            <a:extLst>
+              <a:ext uri="{FF2B5EF4-FFF2-40B4-BE49-F238E27FC236}">
+                <a16:creationId xmlns:a16="http://schemas.microsoft.com/office/drawing/2014/main" id="{2ED2A2F0-1E61-46D6-B531-7E101FA83BF7}"/>
+              </a:ext>
+            </a:extLst>
+          </p:cNvPr>
+          <p:cNvSpPr txBox="1"/>
+          <p:nvPr/>
+        </p:nvSpPr>
+        <p:spPr>
+          <a:xfrm>
+            <a:off x="4399253" y="384312"/>
+            <a:ext cx="3393493" cy="369332"/>
+          </a:xfrm>
+          <a:prstGeom prst="rect">
+            <a:avLst/>
+          </a:prstGeom>
+          <a:noFill/>
+        </p:spPr>
+        <p:txBody>
+          <a:bodyPr wrap="none" rtlCol="0">
+            <a:spAutoFit/>
+          </a:bodyPr>
+          <a:lstStyle/>
+          <a:p>
+            <a:r>
+              <a:rPr lang="en-US" dirty="0"/>
+              <a:t>AWS Hamster Application (Before)</a:t>
+            </a:r>
+          </a:p>
+        </p:txBody>
+      </p:sp>
+      <p:pic>
+        <p:nvPicPr>
+          <p:cNvPr id="2" name="Picture 1">
+            <a:extLst>
+              <a:ext uri="{FF2B5EF4-FFF2-40B4-BE49-F238E27FC236}">
+                <a16:creationId xmlns:a16="http://schemas.microsoft.com/office/drawing/2014/main" id="{2B73E7FF-01CC-4710-8A6B-7991D5416897}"/>
+              </a:ext>
+            </a:extLst>
+          </p:cNvPr>
+          <p:cNvPicPr>
+            <a:picLocks noChangeAspect="1"/>
+          </p:cNvPicPr>
+          <p:nvPr/>
+        </p:nvPicPr>
+        <p:blipFill>
+          <a:blip r:embed="rId2"/>
+          <a:stretch>
+            <a:fillRect/>
+          </a:stretch>
+        </p:blipFill>
+        <p:spPr>
+          <a:xfrm>
+            <a:off x="5334662" y="1478548"/>
+            <a:ext cx="1522675" cy="1111217"/>
+          </a:xfrm>
+          <a:prstGeom prst="rect">
+            <a:avLst/>
+          </a:prstGeom>
+        </p:spPr>
+      </p:pic>
+      <p:pic>
+        <p:nvPicPr>
+          <p:cNvPr id="3" name="Picture 2">
+            <a:extLst>
+              <a:ext uri="{FF2B5EF4-FFF2-40B4-BE49-F238E27FC236}">
+                <a16:creationId xmlns:a16="http://schemas.microsoft.com/office/drawing/2014/main" id="{A30FB29B-30F4-49A1-AD6D-4CF80DC8D156}"/>
+              </a:ext>
+            </a:extLst>
+          </p:cNvPr>
+          <p:cNvPicPr>
+            <a:picLocks noChangeAspect="1"/>
+          </p:cNvPicPr>
+          <p:nvPr/>
+        </p:nvPicPr>
+        <p:blipFill>
+          <a:blip r:embed="rId3"/>
+          <a:stretch>
+            <a:fillRect/>
+          </a:stretch>
+        </p:blipFill>
+        <p:spPr>
+          <a:xfrm>
+            <a:off x="5407548" y="2709035"/>
+            <a:ext cx="1376902" cy="879309"/>
+          </a:xfrm>
+          <a:prstGeom prst="rect">
+            <a:avLst/>
+          </a:prstGeom>
+        </p:spPr>
+      </p:pic>
+    </p:spTree>
+    <p:extLst>
+      <p:ext uri="{BB962C8B-B14F-4D97-AF65-F5344CB8AC3E}">
+        <p14:creationId xmlns:p14="http://schemas.microsoft.com/office/powerpoint/2010/main" val="1812068841"/>
+      </p:ext>
+    </p:extLst>
+  </p:cSld>
+  <p:clrMapOvr>
+    <a:masterClrMapping/>
+  </p:clrMapOvr>
+</p:sld>
+</file>
+
+<file path=ppt/slides/slide3.xml><?xml version="1.0" encoding="utf-8"?>
+<p:sld xmlns:a="http://schemas.openxmlformats.org/drawingml/2006/main" xmlns:r="http://schemas.openxmlformats.org/officeDocument/2006/relationships" xmlns:p="http://schemas.openxmlformats.org/presentationml/2006/main">
+  <p:cSld>
+    <p:spTree>
+      <p:nvGrpSpPr>
+        <p:cNvPr id="1" name=""/>
+        <p:cNvGrpSpPr/>
+        <p:nvPr/>
+      </p:nvGrpSpPr>
+      <p:grpSpPr>
+        <a:xfrm>
+          <a:off x="0" y="0"/>
+          <a:ext cx="0" cy="0"/>
+          <a:chOff x="0" y="0"/>
+          <a:chExt cx="0" cy="0"/>
+        </a:xfrm>
+      </p:grpSpPr>
+      <p:sp>
+        <p:nvSpPr>
+          <p:cNvPr id="4" name="TextBox 3">
+            <a:extLst>
+              <a:ext uri="{FF2B5EF4-FFF2-40B4-BE49-F238E27FC236}">
+                <a16:creationId xmlns:a16="http://schemas.microsoft.com/office/drawing/2014/main" id="{2ED2A2F0-1E61-46D6-B531-7E101FA83BF7}"/>
+              </a:ext>
+            </a:extLst>
+          </p:cNvPr>
+          <p:cNvSpPr txBox="1"/>
+          <p:nvPr/>
+        </p:nvSpPr>
+        <p:spPr>
+          <a:xfrm>
+            <a:off x="4399253" y="384312"/>
+            <a:ext cx="3248646" cy="369332"/>
+          </a:xfrm>
+          <a:prstGeom prst="rect">
+            <a:avLst/>
+          </a:prstGeom>
+          <a:noFill/>
+        </p:spPr>
+        <p:txBody>
+          <a:bodyPr wrap="none" rtlCol="0">
+            <a:spAutoFit/>
+          </a:bodyPr>
+          <a:lstStyle/>
+          <a:p>
+            <a:r>
+              <a:rPr lang="en-US" dirty="0"/>
+              <a:t>AWS Hamster Application (After)</a:t>
+            </a:r>
+          </a:p>
+        </p:txBody>
+      </p:sp>
+      <p:pic>
+        <p:nvPicPr>
+          <p:cNvPr id="2" name="Picture 1">
+            <a:extLst>
+              <a:ext uri="{FF2B5EF4-FFF2-40B4-BE49-F238E27FC236}">
+                <a16:creationId xmlns:a16="http://schemas.microsoft.com/office/drawing/2014/main" id="{2B73E7FF-01CC-4710-8A6B-7991D5416897}"/>
+              </a:ext>
+            </a:extLst>
+          </p:cNvPr>
+          <p:cNvPicPr>
+            <a:picLocks noChangeAspect="1"/>
+          </p:cNvPicPr>
+          <p:nvPr/>
+        </p:nvPicPr>
+        <p:blipFill>
+          <a:blip r:embed="rId2"/>
+          <a:stretch>
+            <a:fillRect/>
+          </a:stretch>
+        </p:blipFill>
+        <p:spPr>
+          <a:xfrm>
+            <a:off x="5538923" y="886248"/>
+            <a:ext cx="1080502" cy="788528"/>
+          </a:xfrm>
+          <a:prstGeom prst="rect">
+            <a:avLst/>
+          </a:prstGeom>
+        </p:spPr>
+      </p:pic>
+      <p:pic>
+        <p:nvPicPr>
+          <p:cNvPr id="3" name="Picture 2">
+            <a:extLst>
+              <a:ext uri="{FF2B5EF4-FFF2-40B4-BE49-F238E27FC236}">
+                <a16:creationId xmlns:a16="http://schemas.microsoft.com/office/drawing/2014/main" id="{A30FB29B-30F4-49A1-AD6D-4CF80DC8D156}"/>
+              </a:ext>
+            </a:extLst>
+          </p:cNvPr>
+          <p:cNvPicPr>
+            <a:picLocks noChangeAspect="1"/>
+          </p:cNvPicPr>
+          <p:nvPr/>
+        </p:nvPicPr>
+        <p:blipFill>
+          <a:blip r:embed="rId3"/>
+          <a:stretch>
+            <a:fillRect/>
+          </a:stretch>
+        </p:blipFill>
+        <p:spPr>
+          <a:xfrm>
+            <a:off x="5678541" y="1730870"/>
+            <a:ext cx="834917" cy="533190"/>
+          </a:xfrm>
+          <a:prstGeom prst="rect">
+            <a:avLst/>
+          </a:prstGeom>
+        </p:spPr>
+      </p:pic>
+      <p:grpSp>
+        <p:nvGrpSpPr>
+          <p:cNvPr id="8" name="Group 7">
+            <a:extLst>
+              <a:ext uri="{FF2B5EF4-FFF2-40B4-BE49-F238E27FC236}">
+                <a16:creationId xmlns:a16="http://schemas.microsoft.com/office/drawing/2014/main" id="{6B68EB45-CC21-45C3-B229-6A5180F8F918}"/>
+              </a:ext>
+            </a:extLst>
+          </p:cNvPr>
+          <p:cNvGrpSpPr/>
+          <p:nvPr/>
+        </p:nvGrpSpPr>
+        <p:grpSpPr>
+          <a:xfrm>
+            <a:off x="470452" y="159026"/>
+            <a:ext cx="788505" cy="1192696"/>
+            <a:chOff x="470452" y="0"/>
+            <a:chExt cx="927652" cy="1325216"/>
+          </a:xfrm>
+        </p:grpSpPr>
+        <p:pic>
+          <p:nvPicPr>
+            <p:cNvPr id="6" name="Graphic 5" descr="Key">
+              <a:extLst>
+                <a:ext uri="{FF2B5EF4-FFF2-40B4-BE49-F238E27FC236}">
+                  <a16:creationId xmlns:a16="http://schemas.microsoft.com/office/drawing/2014/main" id="{6460F748-BED9-4D29-B449-8066E4470EBA}"/>
+                </a:ext>
+              </a:extLst>
+            </p:cNvPr>
+            <p:cNvPicPr>
+              <a:picLocks noChangeAspect="1"/>
+            </p:cNvPicPr>
+            <p:nvPr/>
+          </p:nvPicPr>
+          <p:blipFill>
+            <a:blip r:embed="rId4">
+              <a:extLst>
+                <a:ext uri="{28A0092B-C50C-407E-A947-70E740481C1C}">
+                  <a14:useLocalDpi xmlns:a14="http://schemas.microsoft.com/office/drawing/2010/main" val="0"/>
+                </a:ext>
+                <a:ext uri="{96DAC541-7B7A-43D3-8B79-37D633B846F1}">
+                  <asvg:svgBlip xmlns:asvg="http://schemas.microsoft.com/office/drawing/2016/SVG/main" r:embed="rId5"/>
+                </a:ext>
+              </a:extLst>
+            </a:blip>
+            <a:stretch>
+              <a:fillRect/>
+            </a:stretch>
+          </p:blipFill>
+          <p:spPr>
+            <a:xfrm>
+              <a:off x="470452" y="0"/>
+              <a:ext cx="914400" cy="914400"/>
+            </a:xfrm>
+            <a:prstGeom prst="rect">
+              <a:avLst/>
+            </a:prstGeom>
+          </p:spPr>
+        </p:pic>
+        <p:pic>
+          <p:nvPicPr>
+            <p:cNvPr id="7" name="Graphic 6" descr="Key">
+              <a:extLst>
+                <a:ext uri="{FF2B5EF4-FFF2-40B4-BE49-F238E27FC236}">
+                  <a16:creationId xmlns:a16="http://schemas.microsoft.com/office/drawing/2014/main" id="{23D89CFA-D06E-4AFF-BAFC-091120B91B0F}"/>
+                </a:ext>
+              </a:extLst>
+            </p:cNvPr>
+            <p:cNvPicPr>
+              <a:picLocks noChangeAspect="1"/>
+            </p:cNvPicPr>
+            <p:nvPr/>
+          </p:nvPicPr>
+          <p:blipFill>
+            <a:blip r:embed="rId4">
+              <a:extLst>
+                <a:ext uri="{28A0092B-C50C-407E-A947-70E740481C1C}">
+                  <a14:useLocalDpi xmlns:a14="http://schemas.microsoft.com/office/drawing/2010/main" val="0"/>
+                </a:ext>
+                <a:ext uri="{96DAC541-7B7A-43D3-8B79-37D633B846F1}">
+                  <asvg:svgBlip xmlns:asvg="http://schemas.microsoft.com/office/drawing/2016/SVG/main" r:embed="rId5"/>
+                </a:ext>
+              </a:extLst>
+            </a:blip>
+            <a:stretch>
+              <a:fillRect/>
+            </a:stretch>
+          </p:blipFill>
+          <p:spPr>
+            <a:xfrm>
+              <a:off x="483704" y="410816"/>
+              <a:ext cx="914400" cy="914400"/>
+            </a:xfrm>
+            <a:prstGeom prst="rect">
+              <a:avLst/>
+            </a:prstGeom>
+          </p:spPr>
+        </p:pic>
+      </p:grpSp>
+      <p:sp>
+        <p:nvSpPr>
+          <p:cNvPr id="9" name="TextBox 8">
+            <a:extLst>
+              <a:ext uri="{FF2B5EF4-FFF2-40B4-BE49-F238E27FC236}">
+                <a16:creationId xmlns:a16="http://schemas.microsoft.com/office/drawing/2014/main" id="{224FD90E-6739-4290-A7BE-447E0A8A17D7}"/>
+              </a:ext>
+            </a:extLst>
+          </p:cNvPr>
+          <p:cNvSpPr txBox="1"/>
+          <p:nvPr/>
+        </p:nvSpPr>
+        <p:spPr>
+          <a:xfrm>
+            <a:off x="320371" y="1167056"/>
+            <a:ext cx="1402412" cy="646331"/>
+          </a:xfrm>
+          <a:prstGeom prst="rect">
+            <a:avLst/>
+          </a:prstGeom>
+          <a:noFill/>
+        </p:spPr>
+        <p:txBody>
+          <a:bodyPr wrap="square" rtlCol="0">
+            <a:spAutoFit/>
+          </a:bodyPr>
+          <a:lstStyle/>
+          <a:p>
+            <a:r>
+              <a:rPr lang="en-US" dirty="0"/>
+              <a:t>Key Pair hamster_key</a:t>
+            </a:r>
+          </a:p>
+        </p:txBody>
+      </p:sp>
+      <p:pic>
+        <p:nvPicPr>
+          <p:cNvPr id="11" name="Graphic 10" descr="Cloud">
+            <a:extLst>
+              <a:ext uri="{FF2B5EF4-FFF2-40B4-BE49-F238E27FC236}">
+                <a16:creationId xmlns:a16="http://schemas.microsoft.com/office/drawing/2014/main" id="{D6A993EC-59CD-4A8D-BA11-BE7109465BD3}"/>
+              </a:ext>
+            </a:extLst>
+          </p:cNvPr>
+          <p:cNvPicPr>
+            <a:picLocks noChangeAspect="1"/>
+          </p:cNvPicPr>
+          <p:nvPr/>
+        </p:nvPicPr>
+        <p:blipFill>
+          <a:blip r:embed="rId6">
+            <a:extLst>
+              <a:ext uri="{28A0092B-C50C-407E-A947-70E740481C1C}">
+                <a14:useLocalDpi xmlns:a14="http://schemas.microsoft.com/office/drawing/2010/main" val="0"/>
+              </a:ext>
+              <a:ext uri="{96DAC541-7B7A-43D3-8B79-37D633B846F1}">
+                <asvg:svgBlip xmlns:asvg="http://schemas.microsoft.com/office/drawing/2016/SVG/main" r:embed="rId7"/>
+              </a:ext>
+            </a:extLst>
+          </a:blip>
+          <a:stretch>
+            <a:fillRect/>
+          </a:stretch>
+        </p:blipFill>
+        <p:spPr>
+          <a:xfrm>
+            <a:off x="1829793" y="170548"/>
+            <a:ext cx="914400" cy="914400"/>
+          </a:xfrm>
+          <a:prstGeom prst="rect">
+            <a:avLst/>
+          </a:prstGeom>
+        </p:spPr>
+      </p:pic>
+      <p:sp>
+        <p:nvSpPr>
+          <p:cNvPr id="12" name="TextBox 11">
+            <a:extLst>
+              <a:ext uri="{FF2B5EF4-FFF2-40B4-BE49-F238E27FC236}">
+                <a16:creationId xmlns:a16="http://schemas.microsoft.com/office/drawing/2014/main" id="{CB048B82-DE9D-4C67-8975-0606DBF0D6D5}"/>
+              </a:ext>
+            </a:extLst>
+          </p:cNvPr>
+          <p:cNvSpPr txBox="1"/>
+          <p:nvPr/>
+        </p:nvSpPr>
+        <p:spPr>
+          <a:xfrm>
+            <a:off x="1829792" y="993912"/>
+            <a:ext cx="1755914" cy="646331"/>
+          </a:xfrm>
+          <a:prstGeom prst="rect">
+            <a:avLst/>
+          </a:prstGeom>
+          <a:noFill/>
+        </p:spPr>
+        <p:txBody>
+          <a:bodyPr wrap="square" rtlCol="0">
+            <a:spAutoFit/>
+          </a:bodyPr>
+          <a:lstStyle/>
+          <a:p>
+            <a:r>
+              <a:rPr lang="en-US" dirty="0"/>
+              <a:t>VPC (default)</a:t>
+            </a:r>
+          </a:p>
+          <a:p>
+            <a:r>
+              <a:rPr lang="en-US" dirty="0"/>
+              <a:t>Subnet AZ a, b</a:t>
+            </a:r>
+          </a:p>
+        </p:txBody>
+      </p:sp>
+      <p:pic>
+        <p:nvPicPr>
+          <p:cNvPr id="14" name="Graphic 13" descr="Fence">
+            <a:extLst>
+              <a:ext uri="{FF2B5EF4-FFF2-40B4-BE49-F238E27FC236}">
+                <a16:creationId xmlns:a16="http://schemas.microsoft.com/office/drawing/2014/main" id="{7A5BAA66-325F-4B90-AA02-403AE7A990D1}"/>
+              </a:ext>
+            </a:extLst>
+          </p:cNvPr>
+          <p:cNvPicPr>
+            <a:picLocks noChangeAspect="1"/>
+          </p:cNvPicPr>
+          <p:nvPr/>
+        </p:nvPicPr>
+        <p:blipFill>
+          <a:blip r:embed="rId8">
+            <a:extLst>
+              <a:ext uri="{28A0092B-C50C-407E-A947-70E740481C1C}">
+                <a14:useLocalDpi xmlns:a14="http://schemas.microsoft.com/office/drawing/2010/main" val="0"/>
+              </a:ext>
+              <a:ext uri="{96DAC541-7B7A-43D3-8B79-37D633B846F1}">
+                <asvg:svgBlip xmlns:asvg="http://schemas.microsoft.com/office/drawing/2016/SVG/main" r:embed="rId9"/>
+              </a:ext>
+            </a:extLst>
+          </a:blip>
+          <a:stretch>
+            <a:fillRect/>
+          </a:stretch>
+        </p:blipFill>
+        <p:spPr>
+          <a:xfrm>
+            <a:off x="470452" y="3588344"/>
+            <a:ext cx="627491" cy="627491"/>
+          </a:xfrm>
+          <a:prstGeom prst="rect">
+            <a:avLst/>
+          </a:prstGeom>
+        </p:spPr>
+      </p:pic>
+      <p:sp>
+        <p:nvSpPr>
+          <p:cNvPr id="15" name="TextBox 14">
+            <a:extLst>
+              <a:ext uri="{FF2B5EF4-FFF2-40B4-BE49-F238E27FC236}">
+                <a16:creationId xmlns:a16="http://schemas.microsoft.com/office/drawing/2014/main" id="{49289BE5-F70B-44FD-921E-51E2F31D62A8}"/>
+              </a:ext>
+            </a:extLst>
+          </p:cNvPr>
+          <p:cNvSpPr txBox="1"/>
+          <p:nvPr/>
+        </p:nvSpPr>
+        <p:spPr>
+          <a:xfrm>
+            <a:off x="470452" y="4271236"/>
+            <a:ext cx="1755914" cy="646331"/>
+          </a:xfrm>
+          <a:prstGeom prst="rect">
+            <a:avLst/>
+          </a:prstGeom>
+          <a:noFill/>
+        </p:spPr>
+        <p:txBody>
+          <a:bodyPr wrap="square" rtlCol="0">
+            <a:spAutoFit/>
+          </a:bodyPr>
+          <a:lstStyle/>
+          <a:p>
+            <a:r>
+              <a:rPr lang="en-US" dirty="0"/>
+              <a:t>Security Group</a:t>
+            </a:r>
+          </a:p>
+          <a:p>
+            <a:r>
+              <a:rPr lang="en-US" dirty="0" err="1"/>
+              <a:t>Hamster_SG</a:t>
+            </a:r>
+            <a:endParaRPr lang="en-US" dirty="0"/>
+          </a:p>
+        </p:txBody>
+      </p:sp>
+      <p:pic>
+        <p:nvPicPr>
+          <p:cNvPr id="16" name="Picture 15">
+            <a:extLst>
+              <a:ext uri="{FF2B5EF4-FFF2-40B4-BE49-F238E27FC236}">
+                <a16:creationId xmlns:a16="http://schemas.microsoft.com/office/drawing/2014/main" id="{39D1854E-6F00-4B40-BF10-80C424D6FF7F}"/>
+              </a:ext>
+            </a:extLst>
+          </p:cNvPr>
+          <p:cNvPicPr>
+            <a:picLocks noChangeAspect="1"/>
+          </p:cNvPicPr>
+          <p:nvPr/>
+        </p:nvPicPr>
+        <p:blipFill>
+          <a:blip r:embed="rId10"/>
+          <a:stretch>
+            <a:fillRect/>
+          </a:stretch>
+        </p:blipFill>
+        <p:spPr>
+          <a:xfrm>
+            <a:off x="3817934" y="886248"/>
+            <a:ext cx="949165" cy="1111217"/>
+          </a:xfrm>
+          <a:prstGeom prst="rect">
+            <a:avLst/>
+          </a:prstGeom>
+        </p:spPr>
+      </p:pic>
+    </p:spTree>
+    <p:extLst>
+      <p:ext uri="{BB962C8B-B14F-4D97-AF65-F5344CB8AC3E}">
+        <p14:creationId xmlns:p14="http://schemas.microsoft.com/office/powerpoint/2010/main" val="1303211165"/>
+      </p:ext>
+    </p:extLst>
+  </p:cSld>
+  <p:clrMapOvr>
+    <a:masterClrMapping/>
+  </p:clrMapOvr>
+</p:sld>
+</file>
+
 <file path=ppt/theme/theme1.xml><?xml version="1.0" encoding="utf-8"?>
 <a:theme xmlns:a="http://schemas.openxmlformats.org/drawingml/2006/main" name="Office Theme">
   <a:themeElements>

--- a/AWS EC2 Connections.pptx
+++ b/AWS EC2 Connections.pptx
@@ -4309,6 +4309,116 @@
           </a:prstGeom>
         </p:spPr>
       </p:pic>
+      <p:pic>
+        <p:nvPicPr>
+          <p:cNvPr id="14" name="Graphic 13" descr="Fence">
+            <a:extLst>
+              <a:ext uri="{FF2B5EF4-FFF2-40B4-BE49-F238E27FC236}">
+                <a16:creationId xmlns:a16="http://schemas.microsoft.com/office/drawing/2014/main" id="{7A5BAA66-325F-4B90-AA02-403AE7A990D1}"/>
+              </a:ext>
+            </a:extLst>
+          </p:cNvPr>
+          <p:cNvPicPr>
+            <a:picLocks noChangeAspect="1"/>
+          </p:cNvPicPr>
+          <p:nvPr/>
+        </p:nvPicPr>
+        <p:blipFill>
+          <a:blip r:embed="rId4">
+            <a:extLst>
+              <a:ext uri="{28A0092B-C50C-407E-A947-70E740481C1C}">
+                <a14:useLocalDpi xmlns:a14="http://schemas.microsoft.com/office/drawing/2010/main" val="0"/>
+              </a:ext>
+              <a:ext uri="{96DAC541-7B7A-43D3-8B79-37D633B846F1}">
+                <asvg:svgBlip xmlns:asvg="http://schemas.microsoft.com/office/drawing/2016/SVG/main" r:embed="rId5"/>
+              </a:ext>
+            </a:extLst>
+          </a:blip>
+          <a:stretch>
+            <a:fillRect/>
+          </a:stretch>
+        </p:blipFill>
+        <p:spPr>
+          <a:xfrm>
+            <a:off x="470452" y="3588344"/>
+            <a:ext cx="627491" cy="627491"/>
+          </a:xfrm>
+          <a:prstGeom prst="rect">
+            <a:avLst/>
+          </a:prstGeom>
+        </p:spPr>
+      </p:pic>
+      <p:sp>
+        <p:nvSpPr>
+          <p:cNvPr id="15" name="TextBox 14">
+            <a:extLst>
+              <a:ext uri="{FF2B5EF4-FFF2-40B4-BE49-F238E27FC236}">
+                <a16:creationId xmlns:a16="http://schemas.microsoft.com/office/drawing/2014/main" id="{49289BE5-F70B-44FD-921E-51E2F31D62A8}"/>
+              </a:ext>
+            </a:extLst>
+          </p:cNvPr>
+          <p:cNvSpPr txBox="1"/>
+          <p:nvPr/>
+        </p:nvSpPr>
+        <p:spPr>
+          <a:xfrm>
+            <a:off x="470452" y="4271236"/>
+            <a:ext cx="1755914" cy="646331"/>
+          </a:xfrm>
+          <a:prstGeom prst="rect">
+            <a:avLst/>
+          </a:prstGeom>
+          <a:noFill/>
+        </p:spPr>
+        <p:txBody>
+          <a:bodyPr wrap="square" rtlCol="0">
+            <a:spAutoFit/>
+          </a:bodyPr>
+          <a:lstStyle/>
+          <a:p>
+            <a:r>
+              <a:rPr lang="en-US" dirty="0"/>
+              <a:t>Security Group</a:t>
+            </a:r>
+          </a:p>
+          <a:p>
+            <a:r>
+              <a:rPr lang="en-US" dirty="0"/>
+              <a:t>Hamster_SG</a:t>
+            </a:r>
+          </a:p>
+        </p:txBody>
+      </p:sp>
+      <p:pic>
+        <p:nvPicPr>
+          <p:cNvPr id="16" name="Picture 15">
+            <a:extLst>
+              <a:ext uri="{FF2B5EF4-FFF2-40B4-BE49-F238E27FC236}">
+                <a16:creationId xmlns:a16="http://schemas.microsoft.com/office/drawing/2014/main" id="{39D1854E-6F00-4B40-BF10-80C424D6FF7F}"/>
+              </a:ext>
+            </a:extLst>
+          </p:cNvPr>
+          <p:cNvPicPr>
+            <a:picLocks noChangeAspect="1"/>
+          </p:cNvPicPr>
+          <p:nvPr/>
+        </p:nvPicPr>
+        <p:blipFill>
+          <a:blip r:embed="rId6"/>
+          <a:stretch>
+            <a:fillRect/>
+          </a:stretch>
+        </p:blipFill>
+        <p:spPr>
+          <a:xfrm>
+            <a:off x="3757128" y="971218"/>
+            <a:ext cx="949165" cy="1111217"/>
+          </a:xfrm>
+          <a:prstGeom prst="rect">
+            <a:avLst/>
+          </a:prstGeom>
+        </p:spPr>
+      </p:pic>
       <p:grpSp>
         <p:nvGrpSpPr>
           <p:cNvPr id="8" name="Group 7">
@@ -4323,10 +4433,10 @@
         </p:nvGrpSpPr>
         <p:grpSpPr>
           <a:xfrm>
-            <a:off x="470452" y="159026"/>
-            <a:ext cx="788505" cy="1192696"/>
-            <a:chOff x="470452" y="0"/>
-            <a:chExt cx="927652" cy="1325216"/>
+            <a:off x="468548" y="90975"/>
+            <a:ext cx="624090" cy="1022211"/>
+            <a:chOff x="470452" y="189428"/>
+            <a:chExt cx="738224" cy="1135788"/>
           </a:xfrm>
         </p:grpSpPr>
         <p:pic>
@@ -4344,13 +4454,13 @@
             <p:nvPr/>
           </p:nvPicPr>
           <p:blipFill>
-            <a:blip r:embed="rId4">
+            <a:blip r:embed="rId7">
               <a:extLst>
                 <a:ext uri="{28A0092B-C50C-407E-A947-70E740481C1C}">
                   <a14:useLocalDpi xmlns:a14="http://schemas.microsoft.com/office/drawing/2010/main" val="0"/>
                 </a:ext>
                 <a:ext uri="{96DAC541-7B7A-43D3-8B79-37D633B846F1}">
-                  <asvg:svgBlip xmlns:asvg="http://schemas.microsoft.com/office/drawing/2016/SVG/main" r:embed="rId5"/>
+                  <asvg:svgBlip xmlns:asvg="http://schemas.microsoft.com/office/drawing/2016/SVG/main" r:embed="rId8"/>
                 </a:ext>
               </a:extLst>
             </a:blip>
@@ -4360,8 +4470,8 @@
           </p:blipFill>
           <p:spPr>
             <a:xfrm>
-              <a:off x="470452" y="0"/>
-              <a:ext cx="914400" cy="914400"/>
+              <a:off x="470452" y="189428"/>
+              <a:ext cx="724972" cy="724972"/>
             </a:xfrm>
             <a:prstGeom prst="rect">
               <a:avLst/>
@@ -4383,13 +4493,13 @@
             <p:nvPr/>
           </p:nvPicPr>
           <p:blipFill>
-            <a:blip r:embed="rId4">
+            <a:blip r:embed="rId7">
               <a:extLst>
                 <a:ext uri="{28A0092B-C50C-407E-A947-70E740481C1C}">
                   <a14:useLocalDpi xmlns:a14="http://schemas.microsoft.com/office/drawing/2010/main" val="0"/>
                 </a:ext>
                 <a:ext uri="{96DAC541-7B7A-43D3-8B79-37D633B846F1}">
-                  <asvg:svgBlip xmlns:asvg="http://schemas.microsoft.com/office/drawing/2016/SVG/main" r:embed="rId5"/>
+                  <asvg:svgBlip xmlns:asvg="http://schemas.microsoft.com/office/drawing/2016/SVG/main" r:embed="rId8"/>
                 </a:ext>
               </a:extLst>
             </a:blip>
@@ -4399,8 +4509,8 @@
           </p:blipFill>
           <p:spPr>
             <a:xfrm>
-              <a:off x="483704" y="410816"/>
-              <a:ext cx="914400" cy="914400"/>
+              <a:off x="483704" y="600244"/>
+              <a:ext cx="724972" cy="724972"/>
             </a:xfrm>
             <a:prstGeom prst="rect">
               <a:avLst/>
@@ -4422,8 +4532,8 @@
         </p:nvSpPr>
         <p:spPr>
           <a:xfrm>
-            <a:off x="320371" y="1167056"/>
-            <a:ext cx="1402412" cy="646331"/>
+            <a:off x="319281" y="928519"/>
+            <a:ext cx="1133838" cy="523220"/>
           </a:xfrm>
           <a:prstGeom prst="rect">
             <a:avLst/>
@@ -4437,9 +4547,22 @@
           <a:lstStyle/>
           <a:p>
             <a:r>
-              <a:rPr lang="en-US" dirty="0"/>
-              <a:t>Key Pair hamster_key</a:t>
-            </a:r>
+              <a:rPr lang="en-US" sz="1400" dirty="0"/>
+              <a:t>Key Pair </a:t>
+            </a:r>
+            <a:r>
+              <a:rPr lang="en-US" sz="1400" i="1" dirty="0">
+                <a:solidFill>
+                  <a:srgbClr val="FF0000"/>
+                </a:solidFill>
+              </a:rPr>
+              <a:t>hamster_key</a:t>
+            </a:r>
+            <a:endParaRPr lang="en-US" i="1" dirty="0">
+              <a:solidFill>
+                <a:srgbClr val="FF0000"/>
+              </a:solidFill>
+            </a:endParaRPr>
           </a:p>
         </p:txBody>
       </p:sp>
@@ -4458,13 +4581,13 @@
           <p:nvPr/>
         </p:nvPicPr>
         <p:blipFill>
-          <a:blip r:embed="rId6">
+          <a:blip r:embed="rId9">
             <a:extLst>
               <a:ext uri="{28A0092B-C50C-407E-A947-70E740481C1C}">
                 <a14:useLocalDpi xmlns:a14="http://schemas.microsoft.com/office/drawing/2010/main" val="0"/>
               </a:ext>
               <a:ext uri="{96DAC541-7B7A-43D3-8B79-37D633B846F1}">
-                <asvg:svgBlip xmlns:asvg="http://schemas.microsoft.com/office/drawing/2016/SVG/main" r:embed="rId7"/>
+                <asvg:svgBlip xmlns:asvg="http://schemas.microsoft.com/office/drawing/2016/SVG/main" r:embed="rId10"/>
               </a:ext>
             </a:extLst>
           </a:blip>
@@ -4474,8 +4597,8 @@
         </p:blipFill>
         <p:spPr>
           <a:xfrm>
-            <a:off x="1829793" y="170548"/>
-            <a:ext cx="914400" cy="914400"/>
+            <a:off x="1523925" y="318742"/>
+            <a:ext cx="648939" cy="652476"/>
           </a:xfrm>
           <a:prstGeom prst="rect">
             <a:avLst/>
@@ -4496,8 +4619,8 @@
         </p:nvSpPr>
         <p:spPr>
           <a:xfrm>
-            <a:off x="1829792" y="993912"/>
-            <a:ext cx="1755914" cy="646331"/>
+            <a:off x="1331981" y="942636"/>
+            <a:ext cx="1251145" cy="523220"/>
           </a:xfrm>
           <a:prstGeom prst="rect">
             <a:avLst/>
@@ -4511,63 +4634,82 @@
           <a:lstStyle/>
           <a:p>
             <a:r>
-              <a:rPr lang="en-US" dirty="0"/>
+              <a:rPr lang="en-US" sz="1400" dirty="0"/>
               <a:t>VPC (default)</a:t>
             </a:r>
           </a:p>
           <a:p>
             <a:r>
-              <a:rPr lang="en-US" dirty="0"/>
+              <a:rPr lang="en-US" sz="1400" i="1" dirty="0">
+                <a:solidFill>
+                  <a:srgbClr val="FF0000"/>
+                </a:solidFill>
+              </a:rPr>
               <a:t>Subnet AZ a, b</a:t>
             </a:r>
           </a:p>
         </p:txBody>
       </p:sp>
-      <p:pic>
-        <p:nvPicPr>
-          <p:cNvPr id="14" name="Graphic 13" descr="Fence">
-            <a:extLst>
-              <a:ext uri="{FF2B5EF4-FFF2-40B4-BE49-F238E27FC236}">
-                <a16:creationId xmlns:a16="http://schemas.microsoft.com/office/drawing/2014/main" id="{7A5BAA66-325F-4B90-AA02-403AE7A990D1}"/>
-              </a:ext>
-            </a:extLst>
-          </p:cNvPr>
-          <p:cNvPicPr>
-            <a:picLocks noChangeAspect="1"/>
-          </p:cNvPicPr>
+      <p:sp>
+        <p:nvSpPr>
+          <p:cNvPr id="17" name="Rectangle: Rounded Corners 16">
+            <a:extLst>
+              <a:ext uri="{FF2B5EF4-FFF2-40B4-BE49-F238E27FC236}">
+                <a16:creationId xmlns:a16="http://schemas.microsoft.com/office/drawing/2014/main" id="{5F2D5EFD-7526-47E4-8A67-92C431785972}"/>
+              </a:ext>
+            </a:extLst>
+          </p:cNvPr>
+          <p:cNvSpPr/>
           <p:nvPr/>
-        </p:nvPicPr>
-        <p:blipFill>
-          <a:blip r:embed="rId8">
-            <a:extLst>
-              <a:ext uri="{28A0092B-C50C-407E-A947-70E740481C1C}">
-                <a14:useLocalDpi xmlns:a14="http://schemas.microsoft.com/office/drawing/2010/main" val="0"/>
-              </a:ext>
-              <a:ext uri="{96DAC541-7B7A-43D3-8B79-37D633B846F1}">
-                <asvg:svgBlip xmlns:asvg="http://schemas.microsoft.com/office/drawing/2016/SVG/main" r:embed="rId9"/>
-              </a:ext>
-            </a:extLst>
-          </a:blip>
-          <a:stretch>
-            <a:fillRect/>
-          </a:stretch>
-        </p:blipFill>
+        </p:nvSpPr>
         <p:spPr>
           <a:xfrm>
-            <a:off x="470452" y="3588344"/>
-            <a:ext cx="627491" cy="627491"/>
-          </a:xfrm>
-          <a:prstGeom prst="rect">
+            <a:off x="119270" y="183509"/>
+            <a:ext cx="2425147" cy="1575419"/>
+          </a:xfrm>
+          <a:prstGeom prst="roundRect">
             <a:avLst/>
           </a:prstGeom>
+          <a:noFill/>
         </p:spPr>
-      </p:pic>
-      <p:sp>
-        <p:nvSpPr>
-          <p:cNvPr id="15" name="TextBox 14">
-            <a:extLst>
-              <a:ext uri="{FF2B5EF4-FFF2-40B4-BE49-F238E27FC236}">
-                <a16:creationId xmlns:a16="http://schemas.microsoft.com/office/drawing/2014/main" id="{49289BE5-F70B-44FD-921E-51E2F31D62A8}"/>
+        <p:style>
+          <a:lnRef idx="2">
+            <a:schemeClr val="accent1">
+              <a:shade val="50000"/>
+            </a:schemeClr>
+          </a:lnRef>
+          <a:fillRef idx="1">
+            <a:schemeClr val="accent1"/>
+          </a:fillRef>
+          <a:effectRef idx="0">
+            <a:schemeClr val="accent1"/>
+          </a:effectRef>
+          <a:fontRef idx="minor">
+            <a:schemeClr val="lt1"/>
+          </a:fontRef>
+        </p:style>
+        <p:txBody>
+          <a:bodyPr bIns="0" rtlCol="0" anchor="b" anchorCtr="0"/>
+          <a:lstStyle/>
+          <a:p>
+            <a:pPr algn="ctr"/>
+            <a:r>
+              <a:rPr lang="en-US" sz="1600" b="1" dirty="0">
+                <a:solidFill>
+                  <a:schemeClr val="tx1"/>
+                </a:solidFill>
+              </a:rPr>
+              <a:t>Required dependencies</a:t>
+            </a:r>
+          </a:p>
+        </p:txBody>
+      </p:sp>
+      <p:sp>
+        <p:nvSpPr>
+          <p:cNvPr id="19" name="TextBox 18">
+            <a:extLst>
+              <a:ext uri="{FF2B5EF4-FFF2-40B4-BE49-F238E27FC236}">
+                <a16:creationId xmlns:a16="http://schemas.microsoft.com/office/drawing/2014/main" id="{678D625A-8263-4B6A-BB07-34AC8EBAE7F6}"/>
               </a:ext>
             </a:extLst>
           </p:cNvPr>
@@ -4576,8 +4718,8 @@
         </p:nvSpPr>
         <p:spPr>
           <a:xfrm>
-            <a:off x="470452" y="4271236"/>
-            <a:ext cx="1755914" cy="646331"/>
+            <a:off x="3206540" y="2089818"/>
+            <a:ext cx="2332383" cy="461665"/>
           </a:xfrm>
           <a:prstGeom prst="rect">
             <a:avLst/>
@@ -4591,49 +4733,239 @@
           <a:lstStyle/>
           <a:p>
             <a:r>
-              <a:rPr lang="en-US" dirty="0"/>
-              <a:t>Security Group</a:t>
-            </a:r>
-          </a:p>
-          <a:p>
-            <a:r>
-              <a:rPr lang="en-US" dirty="0" err="1"/>
-              <a:t>Hamster_SG</a:t>
+              <a:rPr lang="en-US" sz="1200" dirty="0"/>
+              <a:t>EC2 Instance Type (</a:t>
+            </a:r>
+            <a:r>
+              <a:rPr lang="en-US" sz="1200" i="1" dirty="0">
+                <a:solidFill>
+                  <a:srgbClr val="FF0000"/>
+                </a:solidFill>
+              </a:rPr>
+              <a:t>T2.micro</a:t>
+            </a:r>
+            <a:r>
+              <a:rPr lang="en-US" sz="1200" dirty="0"/>
+              <a:t>) and AMI Image Id (</a:t>
+            </a:r>
+            <a:r>
+              <a:rPr lang="en-US" sz="1200" i="1" dirty="0">
+                <a:solidFill>
+                  <a:srgbClr val="FF0000"/>
+                </a:solidFill>
+              </a:rPr>
+              <a:t>Standard Unix</a:t>
+            </a:r>
+            <a:r>
+              <a:rPr lang="en-US" sz="1200" dirty="0"/>
+              <a:t>)</a:t>
             </a:r>
             <a:endParaRPr lang="en-US" dirty="0"/>
           </a:p>
         </p:txBody>
       </p:sp>
-      <p:pic>
-        <p:nvPicPr>
-          <p:cNvPr id="16" name="Picture 15">
-            <a:extLst>
-              <a:ext uri="{FF2B5EF4-FFF2-40B4-BE49-F238E27FC236}">
-                <a16:creationId xmlns:a16="http://schemas.microsoft.com/office/drawing/2014/main" id="{39D1854E-6F00-4B40-BF10-80C424D6FF7F}"/>
-              </a:ext>
-            </a:extLst>
-          </p:cNvPr>
-          <p:cNvPicPr>
-            <a:picLocks noChangeAspect="1"/>
-          </p:cNvPicPr>
+      <p:sp>
+        <p:nvSpPr>
+          <p:cNvPr id="20" name="TextBox 19">
+            <a:extLst>
+              <a:ext uri="{FF2B5EF4-FFF2-40B4-BE49-F238E27FC236}">
+                <a16:creationId xmlns:a16="http://schemas.microsoft.com/office/drawing/2014/main" id="{59B4FFBF-A976-4C47-A763-220B91F1ED78}"/>
+              </a:ext>
+            </a:extLst>
+          </p:cNvPr>
+          <p:cNvSpPr txBox="1"/>
           <p:nvPr/>
-        </p:nvPicPr>
-        <p:blipFill>
-          <a:blip r:embed="rId10"/>
-          <a:stretch>
-            <a:fillRect/>
-          </a:stretch>
-        </p:blipFill>
+        </p:nvSpPr>
         <p:spPr>
           <a:xfrm>
-            <a:off x="3817934" y="886248"/>
-            <a:ext cx="949165" cy="1111217"/>
+            <a:off x="3206538" y="2558866"/>
+            <a:ext cx="2703931" cy="2308324"/>
           </a:xfrm>
           <a:prstGeom prst="rect">
             <a:avLst/>
           </a:prstGeom>
+          <a:noFill/>
         </p:spPr>
-      </p:pic>
+        <p:txBody>
+          <a:bodyPr wrap="square" rtlCol="0">
+            <a:spAutoFit/>
+          </a:bodyPr>
+          <a:lstStyle/>
+          <a:p>
+            <a:r>
+              <a:rPr lang="en-US" sz="1200" i="1" dirty="0">
+                <a:solidFill>
+                  <a:srgbClr val="FF0000"/>
+                </a:solidFill>
+              </a:rPr>
+              <a:t>HamsterEC2InstanceCF</a:t>
+            </a:r>
+          </a:p>
+          <a:p>
+            <a:r>
+              <a:rPr lang="en-US" sz="1200" i="1" dirty="0" err="1">
+                <a:solidFill>
+                  <a:srgbClr val="FF0000"/>
+                </a:solidFill>
+              </a:rPr>
+              <a:t>HamsterSecurityGroupCF</a:t>
+            </a:r>
+            <a:endParaRPr lang="en-US" sz="1200" i="1" dirty="0">
+              <a:solidFill>
+                <a:srgbClr val="FF0000"/>
+              </a:solidFill>
+            </a:endParaRPr>
+          </a:p>
+          <a:p>
+            <a:r>
+              <a:rPr lang="en-US" sz="1200" i="1" dirty="0" err="1">
+                <a:solidFill>
+                  <a:srgbClr val="FF0000"/>
+                </a:solidFill>
+              </a:rPr>
+              <a:t>UserData</a:t>
+            </a:r>
+            <a:r>
+              <a:rPr lang="en-US" sz="1200" i="1" dirty="0">
+                <a:solidFill>
+                  <a:srgbClr val="FF0000"/>
+                </a:solidFill>
+              </a:rPr>
+              <a:t> (64 bit encoded startup script)</a:t>
+            </a:r>
+          </a:p>
+          <a:p>
+            <a:r>
+              <a:rPr lang="en-US" sz="1200" i="1" dirty="0" err="1">
+                <a:solidFill>
+                  <a:srgbClr val="FF0000"/>
+                </a:solidFill>
+              </a:rPr>
+              <a:t>HamsterAutoScalingGroupCF</a:t>
+            </a:r>
+            <a:endParaRPr lang="en-US" sz="1200" i="1" dirty="0">
+              <a:solidFill>
+                <a:srgbClr val="FF0000"/>
+              </a:solidFill>
+            </a:endParaRPr>
+          </a:p>
+          <a:p>
+            <a:r>
+              <a:rPr lang="en-US" sz="1200" i="1" dirty="0" err="1">
+                <a:solidFill>
+                  <a:srgbClr val="FF0000"/>
+                </a:solidFill>
+              </a:rPr>
+              <a:t>HamsterLaunchConfigurationCF</a:t>
+            </a:r>
+            <a:endParaRPr lang="en-US" sz="1200" i="1" dirty="0">
+              <a:solidFill>
+                <a:srgbClr val="FF0000"/>
+              </a:solidFill>
+            </a:endParaRPr>
+          </a:p>
+          <a:p>
+            <a:r>
+              <a:rPr lang="en-US" sz="1200" i="1" dirty="0" err="1">
+                <a:solidFill>
+                  <a:srgbClr val="FF0000"/>
+                </a:solidFill>
+              </a:rPr>
+              <a:t>HamsterTargetGroupCF</a:t>
+            </a:r>
+            <a:endParaRPr lang="en-US" sz="1200" i="1" dirty="0">
+              <a:solidFill>
+                <a:srgbClr val="FF0000"/>
+              </a:solidFill>
+            </a:endParaRPr>
+          </a:p>
+          <a:p>
+            <a:r>
+              <a:rPr lang="en-US" sz="1200" i="1" dirty="0" err="1">
+                <a:solidFill>
+                  <a:srgbClr val="FF0000"/>
+                </a:solidFill>
+              </a:rPr>
+              <a:t>HamsterAutoScalingGroupPolicyCF</a:t>
+            </a:r>
+            <a:endParaRPr lang="en-US" sz="1200" i="1" dirty="0">
+              <a:solidFill>
+                <a:srgbClr val="FF0000"/>
+              </a:solidFill>
+            </a:endParaRPr>
+          </a:p>
+          <a:p>
+            <a:r>
+              <a:rPr lang="en-US" sz="1200" i="1" dirty="0" err="1">
+                <a:solidFill>
+                  <a:srgbClr val="FF0000"/>
+                </a:solidFill>
+              </a:rPr>
+              <a:t>HamsterIAMInstanceProfileCF</a:t>
+            </a:r>
+            <a:endParaRPr lang="en-US" sz="1200" i="1" dirty="0">
+              <a:solidFill>
+                <a:srgbClr val="FF0000"/>
+              </a:solidFill>
+            </a:endParaRPr>
+          </a:p>
+          <a:p>
+            <a:r>
+              <a:rPr lang="en-US" sz="1200" i="1" dirty="0">
+                <a:solidFill>
+                  <a:srgbClr val="FF0000"/>
+                </a:solidFill>
+              </a:rPr>
+              <a:t>HamsterEC2InstanceRoleCF</a:t>
+            </a:r>
+          </a:p>
+          <a:p>
+            <a:r>
+              <a:rPr lang="en-US" sz="1200" i="1" dirty="0" err="1">
+                <a:solidFill>
+                  <a:srgbClr val="FF0000"/>
+                </a:solidFill>
+              </a:rPr>
+              <a:t>HamsterLoadBalancerCF</a:t>
+            </a:r>
+            <a:endParaRPr lang="en-US" sz="1200" i="1" dirty="0">
+              <a:solidFill>
+                <a:srgbClr val="FF0000"/>
+              </a:solidFill>
+            </a:endParaRPr>
+          </a:p>
+          <a:p>
+            <a:r>
+              <a:rPr lang="en-US" sz="1200" i="1" dirty="0" err="1">
+                <a:solidFill>
+                  <a:srgbClr val="FF0000"/>
+                </a:solidFill>
+              </a:rPr>
+              <a:t>HamsterLoadBalancerSecurityGroupCF</a:t>
+            </a:r>
+            <a:endParaRPr lang="en-US" sz="1200" i="1" dirty="0">
+              <a:solidFill>
+                <a:srgbClr val="FF0000"/>
+              </a:solidFill>
+            </a:endParaRPr>
+          </a:p>
+          <a:p>
+            <a:r>
+              <a:rPr lang="en-US" sz="1200" i="1" dirty="0" err="1">
+                <a:solidFill>
+                  <a:srgbClr val="FF0000"/>
+                </a:solidFill>
+              </a:rPr>
+              <a:t>HamsterListenerCF</a:t>
+            </a:r>
+            <a:endParaRPr lang="en-US" sz="1200" i="1" dirty="0">
+              <a:solidFill>
+                <a:srgbClr val="FF0000"/>
+              </a:solidFill>
+            </a:endParaRPr>
+          </a:p>
+        </p:txBody>
+      </p:sp>
     </p:spTree>
     <p:extLst>
       <p:ext uri="{BB962C8B-B14F-4D97-AF65-F5344CB8AC3E}">

--- a/AWS EC2 Connections.pptx
+++ b/AWS EC2 Connections.pptx
@@ -6,6 +6,8 @@
   </p:sldMasterIdLst>
   <p:sldIdLst>
     <p:sldId id="256" r:id="rId2"/>
+    <p:sldId id="257" r:id="rId3"/>
+    <p:sldId id="258" r:id="rId4"/>
   </p:sldIdLst>
   <p:sldSz cx="12192000" cy="6858000"/>
   <p:notesSz cx="6858000" cy="9144000"/>
@@ -259,7 +261,7 @@
           <a:p>
             <a:fld id="{1E641BFD-4045-4CF8-ABC6-D629F7CAEBCB}" type="datetimeFigureOut">
               <a:rPr lang="en-US" smtClean="0"/>
-              <a:t>8/23/2019</a:t>
+              <a:t>10/17/2019</a:t>
             </a:fld>
             <a:endParaRPr lang="en-US"/>
           </a:p>
@@ -457,7 +459,7 @@
           <a:p>
             <a:fld id="{1E641BFD-4045-4CF8-ABC6-D629F7CAEBCB}" type="datetimeFigureOut">
               <a:rPr lang="en-US" smtClean="0"/>
-              <a:t>8/23/2019</a:t>
+              <a:t>10/17/2019</a:t>
             </a:fld>
             <a:endParaRPr lang="en-US"/>
           </a:p>
@@ -665,7 +667,7 @@
           <a:p>
             <a:fld id="{1E641BFD-4045-4CF8-ABC6-D629F7CAEBCB}" type="datetimeFigureOut">
               <a:rPr lang="en-US" smtClean="0"/>
-              <a:t>8/23/2019</a:t>
+              <a:t>10/17/2019</a:t>
             </a:fld>
             <a:endParaRPr lang="en-US"/>
           </a:p>
@@ -863,7 +865,7 @@
           <a:p>
             <a:fld id="{1E641BFD-4045-4CF8-ABC6-D629F7CAEBCB}" type="datetimeFigureOut">
               <a:rPr lang="en-US" smtClean="0"/>
-              <a:t>8/23/2019</a:t>
+              <a:t>10/17/2019</a:t>
             </a:fld>
             <a:endParaRPr lang="en-US"/>
           </a:p>
@@ -1138,7 +1140,7 @@
           <a:p>
             <a:fld id="{1E641BFD-4045-4CF8-ABC6-D629F7CAEBCB}" type="datetimeFigureOut">
               <a:rPr lang="en-US" smtClean="0"/>
-              <a:t>8/23/2019</a:t>
+              <a:t>10/17/2019</a:t>
             </a:fld>
             <a:endParaRPr lang="en-US"/>
           </a:p>
@@ -1403,7 +1405,7 @@
           <a:p>
             <a:fld id="{1E641BFD-4045-4CF8-ABC6-D629F7CAEBCB}" type="datetimeFigureOut">
               <a:rPr lang="en-US" smtClean="0"/>
-              <a:t>8/23/2019</a:t>
+              <a:t>10/17/2019</a:t>
             </a:fld>
             <a:endParaRPr lang="en-US"/>
           </a:p>
@@ -1815,7 +1817,7 @@
           <a:p>
             <a:fld id="{1E641BFD-4045-4CF8-ABC6-D629F7CAEBCB}" type="datetimeFigureOut">
               <a:rPr lang="en-US" smtClean="0"/>
-              <a:t>8/23/2019</a:t>
+              <a:t>10/17/2019</a:t>
             </a:fld>
             <a:endParaRPr lang="en-US"/>
           </a:p>
@@ -1956,7 +1958,7 @@
           <a:p>
             <a:fld id="{1E641BFD-4045-4CF8-ABC6-D629F7CAEBCB}" type="datetimeFigureOut">
               <a:rPr lang="en-US" smtClean="0"/>
-              <a:t>8/23/2019</a:t>
+              <a:t>10/17/2019</a:t>
             </a:fld>
             <a:endParaRPr lang="en-US"/>
           </a:p>
@@ -2069,7 +2071,7 @@
           <a:p>
             <a:fld id="{1E641BFD-4045-4CF8-ABC6-D629F7CAEBCB}" type="datetimeFigureOut">
               <a:rPr lang="en-US" smtClean="0"/>
-              <a:t>8/23/2019</a:t>
+              <a:t>10/17/2019</a:t>
             </a:fld>
             <a:endParaRPr lang="en-US"/>
           </a:p>
@@ -2380,7 +2382,7 @@
           <a:p>
             <a:fld id="{1E641BFD-4045-4CF8-ABC6-D629F7CAEBCB}" type="datetimeFigureOut">
               <a:rPr lang="en-US" smtClean="0"/>
-              <a:t>8/23/2019</a:t>
+              <a:t>10/17/2019</a:t>
             </a:fld>
             <a:endParaRPr lang="en-US"/>
           </a:p>
@@ -2668,7 +2670,7 @@
           <a:p>
             <a:fld id="{1E641BFD-4045-4CF8-ABC6-D629F7CAEBCB}" type="datetimeFigureOut">
               <a:rPr lang="en-US" smtClean="0"/>
-              <a:t>8/23/2019</a:t>
+              <a:t>10/17/2019</a:t>
             </a:fld>
             <a:endParaRPr lang="en-US"/>
           </a:p>
@@ -2909,7 +2911,7 @@
           <a:p>
             <a:fld id="{1E641BFD-4045-4CF8-ABC6-D629F7CAEBCB}" type="datetimeFigureOut">
               <a:rPr lang="en-US" smtClean="0"/>
-              <a:t>8/23/2019</a:t>
+              <a:t>10/17/2019</a:t>
             </a:fld>
             <a:endParaRPr lang="en-US"/>
           </a:p>
@@ -4070,6 +4072,913 @@
 </p:sld>
 </file>
 
+<file path=ppt/slides/slide2.xml><?xml version="1.0" encoding="utf-8"?>
+<p:sld xmlns:a="http://schemas.openxmlformats.org/drawingml/2006/main" xmlns:r="http://schemas.openxmlformats.org/officeDocument/2006/relationships" xmlns:p="http://schemas.openxmlformats.org/presentationml/2006/main">
+  <p:cSld>
+    <p:spTree>
+      <p:nvGrpSpPr>
+        <p:cNvPr id="1" name=""/>
+        <p:cNvGrpSpPr/>
+        <p:nvPr/>
+      </p:nvGrpSpPr>
+      <p:grpSpPr>
+        <a:xfrm>
+          <a:off x="0" y="0"/>
+          <a:ext cx="0" cy="0"/>
+          <a:chOff x="0" y="0"/>
+          <a:chExt cx="0" cy="0"/>
+        </a:xfrm>
+      </p:grpSpPr>
+      <p:sp>
+        <p:nvSpPr>
+          <p:cNvPr id="4" name="TextBox 3">
+            <a:extLst>
+              <a:ext uri="{FF2B5EF4-FFF2-40B4-BE49-F238E27FC236}">
+                <a16:creationId xmlns:a16="http://schemas.microsoft.com/office/drawing/2014/main" id="{2ED2A2F0-1E61-46D6-B531-7E101FA83BF7}"/>
+              </a:ext>
+            </a:extLst>
+          </p:cNvPr>
+          <p:cNvSpPr txBox="1"/>
+          <p:nvPr/>
+        </p:nvSpPr>
+        <p:spPr>
+          <a:xfrm>
+            <a:off x="4399253" y="384312"/>
+            <a:ext cx="3393493" cy="369332"/>
+          </a:xfrm>
+          <a:prstGeom prst="rect">
+            <a:avLst/>
+          </a:prstGeom>
+          <a:noFill/>
+        </p:spPr>
+        <p:txBody>
+          <a:bodyPr wrap="none" rtlCol="0">
+            <a:spAutoFit/>
+          </a:bodyPr>
+          <a:lstStyle/>
+          <a:p>
+            <a:r>
+              <a:rPr lang="en-US" dirty="0"/>
+              <a:t>AWS Hamster Application (Before)</a:t>
+            </a:r>
+          </a:p>
+        </p:txBody>
+      </p:sp>
+      <p:pic>
+        <p:nvPicPr>
+          <p:cNvPr id="2" name="Picture 1">
+            <a:extLst>
+              <a:ext uri="{FF2B5EF4-FFF2-40B4-BE49-F238E27FC236}">
+                <a16:creationId xmlns:a16="http://schemas.microsoft.com/office/drawing/2014/main" id="{2B73E7FF-01CC-4710-8A6B-7991D5416897}"/>
+              </a:ext>
+            </a:extLst>
+          </p:cNvPr>
+          <p:cNvPicPr>
+            <a:picLocks noChangeAspect="1"/>
+          </p:cNvPicPr>
+          <p:nvPr/>
+        </p:nvPicPr>
+        <p:blipFill>
+          <a:blip r:embed="rId2"/>
+          <a:stretch>
+            <a:fillRect/>
+          </a:stretch>
+        </p:blipFill>
+        <p:spPr>
+          <a:xfrm>
+            <a:off x="5334662" y="1478548"/>
+            <a:ext cx="1522675" cy="1111217"/>
+          </a:xfrm>
+          <a:prstGeom prst="rect">
+            <a:avLst/>
+          </a:prstGeom>
+        </p:spPr>
+      </p:pic>
+      <p:pic>
+        <p:nvPicPr>
+          <p:cNvPr id="3" name="Picture 2">
+            <a:extLst>
+              <a:ext uri="{FF2B5EF4-FFF2-40B4-BE49-F238E27FC236}">
+                <a16:creationId xmlns:a16="http://schemas.microsoft.com/office/drawing/2014/main" id="{A30FB29B-30F4-49A1-AD6D-4CF80DC8D156}"/>
+              </a:ext>
+            </a:extLst>
+          </p:cNvPr>
+          <p:cNvPicPr>
+            <a:picLocks noChangeAspect="1"/>
+          </p:cNvPicPr>
+          <p:nvPr/>
+        </p:nvPicPr>
+        <p:blipFill>
+          <a:blip r:embed="rId3"/>
+          <a:stretch>
+            <a:fillRect/>
+          </a:stretch>
+        </p:blipFill>
+        <p:spPr>
+          <a:xfrm>
+            <a:off x="5407548" y="2709035"/>
+            <a:ext cx="1376902" cy="879309"/>
+          </a:xfrm>
+          <a:prstGeom prst="rect">
+            <a:avLst/>
+          </a:prstGeom>
+        </p:spPr>
+      </p:pic>
+    </p:spTree>
+    <p:extLst>
+      <p:ext uri="{BB962C8B-B14F-4D97-AF65-F5344CB8AC3E}">
+        <p14:creationId xmlns:p14="http://schemas.microsoft.com/office/powerpoint/2010/main" val="1812068841"/>
+      </p:ext>
+    </p:extLst>
+  </p:cSld>
+  <p:clrMapOvr>
+    <a:masterClrMapping/>
+  </p:clrMapOvr>
+</p:sld>
+</file>
+
+<file path=ppt/slides/slide3.xml><?xml version="1.0" encoding="utf-8"?>
+<p:sld xmlns:a="http://schemas.openxmlformats.org/drawingml/2006/main" xmlns:r="http://schemas.openxmlformats.org/officeDocument/2006/relationships" xmlns:p="http://schemas.openxmlformats.org/presentationml/2006/main">
+  <p:cSld>
+    <p:spTree>
+      <p:nvGrpSpPr>
+        <p:cNvPr id="1" name=""/>
+        <p:cNvGrpSpPr/>
+        <p:nvPr/>
+      </p:nvGrpSpPr>
+      <p:grpSpPr>
+        <a:xfrm>
+          <a:off x="0" y="0"/>
+          <a:ext cx="0" cy="0"/>
+          <a:chOff x="0" y="0"/>
+          <a:chExt cx="0" cy="0"/>
+        </a:xfrm>
+      </p:grpSpPr>
+      <p:sp>
+        <p:nvSpPr>
+          <p:cNvPr id="4" name="TextBox 3">
+            <a:extLst>
+              <a:ext uri="{FF2B5EF4-FFF2-40B4-BE49-F238E27FC236}">
+                <a16:creationId xmlns:a16="http://schemas.microsoft.com/office/drawing/2014/main" id="{2ED2A2F0-1E61-46D6-B531-7E101FA83BF7}"/>
+              </a:ext>
+            </a:extLst>
+          </p:cNvPr>
+          <p:cNvSpPr txBox="1"/>
+          <p:nvPr/>
+        </p:nvSpPr>
+        <p:spPr>
+          <a:xfrm>
+            <a:off x="4399253" y="384312"/>
+            <a:ext cx="3248646" cy="369332"/>
+          </a:xfrm>
+          <a:prstGeom prst="rect">
+            <a:avLst/>
+          </a:prstGeom>
+          <a:noFill/>
+        </p:spPr>
+        <p:txBody>
+          <a:bodyPr wrap="none" rtlCol="0">
+            <a:spAutoFit/>
+          </a:bodyPr>
+          <a:lstStyle/>
+          <a:p>
+            <a:r>
+              <a:rPr lang="en-US" dirty="0"/>
+              <a:t>AWS Hamster Application (After)</a:t>
+            </a:r>
+          </a:p>
+        </p:txBody>
+      </p:sp>
+      <p:pic>
+        <p:nvPicPr>
+          <p:cNvPr id="2" name="Picture 1">
+            <a:extLst>
+              <a:ext uri="{FF2B5EF4-FFF2-40B4-BE49-F238E27FC236}">
+                <a16:creationId xmlns:a16="http://schemas.microsoft.com/office/drawing/2014/main" id="{2B73E7FF-01CC-4710-8A6B-7991D5416897}"/>
+              </a:ext>
+            </a:extLst>
+          </p:cNvPr>
+          <p:cNvPicPr>
+            <a:picLocks noChangeAspect="1"/>
+          </p:cNvPicPr>
+          <p:nvPr/>
+        </p:nvPicPr>
+        <p:blipFill>
+          <a:blip r:embed="rId2"/>
+          <a:stretch>
+            <a:fillRect/>
+          </a:stretch>
+        </p:blipFill>
+        <p:spPr>
+          <a:xfrm>
+            <a:off x="5538923" y="886248"/>
+            <a:ext cx="1080502" cy="788528"/>
+          </a:xfrm>
+          <a:prstGeom prst="rect">
+            <a:avLst/>
+          </a:prstGeom>
+        </p:spPr>
+      </p:pic>
+      <p:pic>
+        <p:nvPicPr>
+          <p:cNvPr id="3" name="Picture 2">
+            <a:extLst>
+              <a:ext uri="{FF2B5EF4-FFF2-40B4-BE49-F238E27FC236}">
+                <a16:creationId xmlns:a16="http://schemas.microsoft.com/office/drawing/2014/main" id="{A30FB29B-30F4-49A1-AD6D-4CF80DC8D156}"/>
+              </a:ext>
+            </a:extLst>
+          </p:cNvPr>
+          <p:cNvPicPr>
+            <a:picLocks noChangeAspect="1"/>
+          </p:cNvPicPr>
+          <p:nvPr/>
+        </p:nvPicPr>
+        <p:blipFill>
+          <a:blip r:embed="rId3"/>
+          <a:stretch>
+            <a:fillRect/>
+          </a:stretch>
+        </p:blipFill>
+        <p:spPr>
+          <a:xfrm>
+            <a:off x="5678541" y="1730870"/>
+            <a:ext cx="834917" cy="533190"/>
+          </a:xfrm>
+          <a:prstGeom prst="rect">
+            <a:avLst/>
+          </a:prstGeom>
+        </p:spPr>
+      </p:pic>
+      <p:pic>
+        <p:nvPicPr>
+          <p:cNvPr id="14" name="Graphic 13" descr="Fence">
+            <a:extLst>
+              <a:ext uri="{FF2B5EF4-FFF2-40B4-BE49-F238E27FC236}">
+                <a16:creationId xmlns:a16="http://schemas.microsoft.com/office/drawing/2014/main" id="{7A5BAA66-325F-4B90-AA02-403AE7A990D1}"/>
+              </a:ext>
+            </a:extLst>
+          </p:cNvPr>
+          <p:cNvPicPr>
+            <a:picLocks noChangeAspect="1"/>
+          </p:cNvPicPr>
+          <p:nvPr/>
+        </p:nvPicPr>
+        <p:blipFill>
+          <a:blip r:embed="rId4">
+            <a:extLst>
+              <a:ext uri="{28A0092B-C50C-407E-A947-70E740481C1C}">
+                <a14:useLocalDpi xmlns:a14="http://schemas.microsoft.com/office/drawing/2010/main" val="0"/>
+              </a:ext>
+              <a:ext uri="{96DAC541-7B7A-43D3-8B79-37D633B846F1}">
+                <asvg:svgBlip xmlns:asvg="http://schemas.microsoft.com/office/drawing/2016/SVG/main" r:embed="rId5"/>
+              </a:ext>
+            </a:extLst>
+          </a:blip>
+          <a:stretch>
+            <a:fillRect/>
+          </a:stretch>
+        </p:blipFill>
+        <p:spPr>
+          <a:xfrm>
+            <a:off x="470452" y="3588344"/>
+            <a:ext cx="627491" cy="627491"/>
+          </a:xfrm>
+          <a:prstGeom prst="rect">
+            <a:avLst/>
+          </a:prstGeom>
+        </p:spPr>
+      </p:pic>
+      <p:sp>
+        <p:nvSpPr>
+          <p:cNvPr id="15" name="TextBox 14">
+            <a:extLst>
+              <a:ext uri="{FF2B5EF4-FFF2-40B4-BE49-F238E27FC236}">
+                <a16:creationId xmlns:a16="http://schemas.microsoft.com/office/drawing/2014/main" id="{49289BE5-F70B-44FD-921E-51E2F31D62A8}"/>
+              </a:ext>
+            </a:extLst>
+          </p:cNvPr>
+          <p:cNvSpPr txBox="1"/>
+          <p:nvPr/>
+        </p:nvSpPr>
+        <p:spPr>
+          <a:xfrm>
+            <a:off x="470452" y="4271236"/>
+            <a:ext cx="1755914" cy="646331"/>
+          </a:xfrm>
+          <a:prstGeom prst="rect">
+            <a:avLst/>
+          </a:prstGeom>
+          <a:noFill/>
+        </p:spPr>
+        <p:txBody>
+          <a:bodyPr wrap="square" rtlCol="0">
+            <a:spAutoFit/>
+          </a:bodyPr>
+          <a:lstStyle/>
+          <a:p>
+            <a:r>
+              <a:rPr lang="en-US" dirty="0"/>
+              <a:t>Security Group</a:t>
+            </a:r>
+          </a:p>
+          <a:p>
+            <a:r>
+              <a:rPr lang="en-US" dirty="0"/>
+              <a:t>Hamster_SG</a:t>
+            </a:r>
+          </a:p>
+        </p:txBody>
+      </p:sp>
+      <p:pic>
+        <p:nvPicPr>
+          <p:cNvPr id="16" name="Picture 15">
+            <a:extLst>
+              <a:ext uri="{FF2B5EF4-FFF2-40B4-BE49-F238E27FC236}">
+                <a16:creationId xmlns:a16="http://schemas.microsoft.com/office/drawing/2014/main" id="{39D1854E-6F00-4B40-BF10-80C424D6FF7F}"/>
+              </a:ext>
+            </a:extLst>
+          </p:cNvPr>
+          <p:cNvPicPr>
+            <a:picLocks noChangeAspect="1"/>
+          </p:cNvPicPr>
+          <p:nvPr/>
+        </p:nvPicPr>
+        <p:blipFill>
+          <a:blip r:embed="rId6"/>
+          <a:stretch>
+            <a:fillRect/>
+          </a:stretch>
+        </p:blipFill>
+        <p:spPr>
+          <a:xfrm>
+            <a:off x="3757128" y="971218"/>
+            <a:ext cx="949165" cy="1111217"/>
+          </a:xfrm>
+          <a:prstGeom prst="rect">
+            <a:avLst/>
+          </a:prstGeom>
+        </p:spPr>
+      </p:pic>
+      <p:grpSp>
+        <p:nvGrpSpPr>
+          <p:cNvPr id="8" name="Group 7">
+            <a:extLst>
+              <a:ext uri="{FF2B5EF4-FFF2-40B4-BE49-F238E27FC236}">
+                <a16:creationId xmlns:a16="http://schemas.microsoft.com/office/drawing/2014/main" id="{6B68EB45-CC21-45C3-B229-6A5180F8F918}"/>
+              </a:ext>
+            </a:extLst>
+          </p:cNvPr>
+          <p:cNvGrpSpPr/>
+          <p:nvPr/>
+        </p:nvGrpSpPr>
+        <p:grpSpPr>
+          <a:xfrm>
+            <a:off x="468548" y="90975"/>
+            <a:ext cx="624090" cy="1022211"/>
+            <a:chOff x="470452" y="189428"/>
+            <a:chExt cx="738224" cy="1135788"/>
+          </a:xfrm>
+        </p:grpSpPr>
+        <p:pic>
+          <p:nvPicPr>
+            <p:cNvPr id="6" name="Graphic 5" descr="Key">
+              <a:extLst>
+                <a:ext uri="{FF2B5EF4-FFF2-40B4-BE49-F238E27FC236}">
+                  <a16:creationId xmlns:a16="http://schemas.microsoft.com/office/drawing/2014/main" id="{6460F748-BED9-4D29-B449-8066E4470EBA}"/>
+                </a:ext>
+              </a:extLst>
+            </p:cNvPr>
+            <p:cNvPicPr>
+              <a:picLocks noChangeAspect="1"/>
+            </p:cNvPicPr>
+            <p:nvPr/>
+          </p:nvPicPr>
+          <p:blipFill>
+            <a:blip r:embed="rId7">
+              <a:extLst>
+                <a:ext uri="{28A0092B-C50C-407E-A947-70E740481C1C}">
+                  <a14:useLocalDpi xmlns:a14="http://schemas.microsoft.com/office/drawing/2010/main" val="0"/>
+                </a:ext>
+                <a:ext uri="{96DAC541-7B7A-43D3-8B79-37D633B846F1}">
+                  <asvg:svgBlip xmlns:asvg="http://schemas.microsoft.com/office/drawing/2016/SVG/main" r:embed="rId8"/>
+                </a:ext>
+              </a:extLst>
+            </a:blip>
+            <a:stretch>
+              <a:fillRect/>
+            </a:stretch>
+          </p:blipFill>
+          <p:spPr>
+            <a:xfrm>
+              <a:off x="470452" y="189428"/>
+              <a:ext cx="724972" cy="724972"/>
+            </a:xfrm>
+            <a:prstGeom prst="rect">
+              <a:avLst/>
+            </a:prstGeom>
+          </p:spPr>
+        </p:pic>
+        <p:pic>
+          <p:nvPicPr>
+            <p:cNvPr id="7" name="Graphic 6" descr="Key">
+              <a:extLst>
+                <a:ext uri="{FF2B5EF4-FFF2-40B4-BE49-F238E27FC236}">
+                  <a16:creationId xmlns:a16="http://schemas.microsoft.com/office/drawing/2014/main" id="{23D89CFA-D06E-4AFF-BAFC-091120B91B0F}"/>
+                </a:ext>
+              </a:extLst>
+            </p:cNvPr>
+            <p:cNvPicPr>
+              <a:picLocks noChangeAspect="1"/>
+            </p:cNvPicPr>
+            <p:nvPr/>
+          </p:nvPicPr>
+          <p:blipFill>
+            <a:blip r:embed="rId7">
+              <a:extLst>
+                <a:ext uri="{28A0092B-C50C-407E-A947-70E740481C1C}">
+                  <a14:useLocalDpi xmlns:a14="http://schemas.microsoft.com/office/drawing/2010/main" val="0"/>
+                </a:ext>
+                <a:ext uri="{96DAC541-7B7A-43D3-8B79-37D633B846F1}">
+                  <asvg:svgBlip xmlns:asvg="http://schemas.microsoft.com/office/drawing/2016/SVG/main" r:embed="rId8"/>
+                </a:ext>
+              </a:extLst>
+            </a:blip>
+            <a:stretch>
+              <a:fillRect/>
+            </a:stretch>
+          </p:blipFill>
+          <p:spPr>
+            <a:xfrm>
+              <a:off x="483704" y="600244"/>
+              <a:ext cx="724972" cy="724972"/>
+            </a:xfrm>
+            <a:prstGeom prst="rect">
+              <a:avLst/>
+            </a:prstGeom>
+          </p:spPr>
+        </p:pic>
+      </p:grpSp>
+      <p:sp>
+        <p:nvSpPr>
+          <p:cNvPr id="9" name="TextBox 8">
+            <a:extLst>
+              <a:ext uri="{FF2B5EF4-FFF2-40B4-BE49-F238E27FC236}">
+                <a16:creationId xmlns:a16="http://schemas.microsoft.com/office/drawing/2014/main" id="{224FD90E-6739-4290-A7BE-447E0A8A17D7}"/>
+              </a:ext>
+            </a:extLst>
+          </p:cNvPr>
+          <p:cNvSpPr txBox="1"/>
+          <p:nvPr/>
+        </p:nvSpPr>
+        <p:spPr>
+          <a:xfrm>
+            <a:off x="319281" y="928519"/>
+            <a:ext cx="1133838" cy="523220"/>
+          </a:xfrm>
+          <a:prstGeom prst="rect">
+            <a:avLst/>
+          </a:prstGeom>
+          <a:noFill/>
+        </p:spPr>
+        <p:txBody>
+          <a:bodyPr wrap="square" rtlCol="0">
+            <a:spAutoFit/>
+          </a:bodyPr>
+          <a:lstStyle/>
+          <a:p>
+            <a:r>
+              <a:rPr lang="en-US" sz="1400" dirty="0"/>
+              <a:t>Key Pair </a:t>
+            </a:r>
+            <a:r>
+              <a:rPr lang="en-US" sz="1400" i="1" dirty="0">
+                <a:solidFill>
+                  <a:srgbClr val="FF0000"/>
+                </a:solidFill>
+              </a:rPr>
+              <a:t>hamster_key</a:t>
+            </a:r>
+            <a:endParaRPr lang="en-US" i="1" dirty="0">
+              <a:solidFill>
+                <a:srgbClr val="FF0000"/>
+              </a:solidFill>
+            </a:endParaRPr>
+          </a:p>
+        </p:txBody>
+      </p:sp>
+      <p:pic>
+        <p:nvPicPr>
+          <p:cNvPr id="11" name="Graphic 10" descr="Cloud">
+            <a:extLst>
+              <a:ext uri="{FF2B5EF4-FFF2-40B4-BE49-F238E27FC236}">
+                <a16:creationId xmlns:a16="http://schemas.microsoft.com/office/drawing/2014/main" id="{D6A993EC-59CD-4A8D-BA11-BE7109465BD3}"/>
+              </a:ext>
+            </a:extLst>
+          </p:cNvPr>
+          <p:cNvPicPr>
+            <a:picLocks noChangeAspect="1"/>
+          </p:cNvPicPr>
+          <p:nvPr/>
+        </p:nvPicPr>
+        <p:blipFill>
+          <a:blip r:embed="rId9">
+            <a:extLst>
+              <a:ext uri="{28A0092B-C50C-407E-A947-70E740481C1C}">
+                <a14:useLocalDpi xmlns:a14="http://schemas.microsoft.com/office/drawing/2010/main" val="0"/>
+              </a:ext>
+              <a:ext uri="{96DAC541-7B7A-43D3-8B79-37D633B846F1}">
+                <asvg:svgBlip xmlns:asvg="http://schemas.microsoft.com/office/drawing/2016/SVG/main" r:embed="rId10"/>
+              </a:ext>
+            </a:extLst>
+          </a:blip>
+          <a:stretch>
+            <a:fillRect/>
+          </a:stretch>
+        </p:blipFill>
+        <p:spPr>
+          <a:xfrm>
+            <a:off x="1523925" y="318742"/>
+            <a:ext cx="648939" cy="652476"/>
+          </a:xfrm>
+          <a:prstGeom prst="rect">
+            <a:avLst/>
+          </a:prstGeom>
+        </p:spPr>
+      </p:pic>
+      <p:sp>
+        <p:nvSpPr>
+          <p:cNvPr id="12" name="TextBox 11">
+            <a:extLst>
+              <a:ext uri="{FF2B5EF4-FFF2-40B4-BE49-F238E27FC236}">
+                <a16:creationId xmlns:a16="http://schemas.microsoft.com/office/drawing/2014/main" id="{CB048B82-DE9D-4C67-8975-0606DBF0D6D5}"/>
+              </a:ext>
+            </a:extLst>
+          </p:cNvPr>
+          <p:cNvSpPr txBox="1"/>
+          <p:nvPr/>
+        </p:nvSpPr>
+        <p:spPr>
+          <a:xfrm>
+            <a:off x="1331981" y="942636"/>
+            <a:ext cx="1251145" cy="523220"/>
+          </a:xfrm>
+          <a:prstGeom prst="rect">
+            <a:avLst/>
+          </a:prstGeom>
+          <a:noFill/>
+        </p:spPr>
+        <p:txBody>
+          <a:bodyPr wrap="square" rtlCol="0">
+            <a:spAutoFit/>
+          </a:bodyPr>
+          <a:lstStyle/>
+          <a:p>
+            <a:r>
+              <a:rPr lang="en-US" sz="1400" dirty="0"/>
+              <a:t>VPC (default)</a:t>
+            </a:r>
+          </a:p>
+          <a:p>
+            <a:r>
+              <a:rPr lang="en-US" sz="1400" i="1" dirty="0">
+                <a:solidFill>
+                  <a:srgbClr val="FF0000"/>
+                </a:solidFill>
+              </a:rPr>
+              <a:t>Subnet AZ a, b</a:t>
+            </a:r>
+          </a:p>
+        </p:txBody>
+      </p:sp>
+      <p:sp>
+        <p:nvSpPr>
+          <p:cNvPr id="17" name="Rectangle: Rounded Corners 16">
+            <a:extLst>
+              <a:ext uri="{FF2B5EF4-FFF2-40B4-BE49-F238E27FC236}">
+                <a16:creationId xmlns:a16="http://schemas.microsoft.com/office/drawing/2014/main" id="{5F2D5EFD-7526-47E4-8A67-92C431785972}"/>
+              </a:ext>
+            </a:extLst>
+          </p:cNvPr>
+          <p:cNvSpPr/>
+          <p:nvPr/>
+        </p:nvSpPr>
+        <p:spPr>
+          <a:xfrm>
+            <a:off x="119270" y="183509"/>
+            <a:ext cx="2425147" cy="1575419"/>
+          </a:xfrm>
+          <a:prstGeom prst="roundRect">
+            <a:avLst/>
+          </a:prstGeom>
+          <a:noFill/>
+        </p:spPr>
+        <p:style>
+          <a:lnRef idx="2">
+            <a:schemeClr val="accent1">
+              <a:shade val="50000"/>
+            </a:schemeClr>
+          </a:lnRef>
+          <a:fillRef idx="1">
+            <a:schemeClr val="accent1"/>
+          </a:fillRef>
+          <a:effectRef idx="0">
+            <a:schemeClr val="accent1"/>
+          </a:effectRef>
+          <a:fontRef idx="minor">
+            <a:schemeClr val="lt1"/>
+          </a:fontRef>
+        </p:style>
+        <p:txBody>
+          <a:bodyPr bIns="0" rtlCol="0" anchor="b" anchorCtr="0"/>
+          <a:lstStyle/>
+          <a:p>
+            <a:pPr algn="ctr"/>
+            <a:r>
+              <a:rPr lang="en-US" sz="1600" b="1" dirty="0">
+                <a:solidFill>
+                  <a:schemeClr val="tx1"/>
+                </a:solidFill>
+              </a:rPr>
+              <a:t>Required dependencies</a:t>
+            </a:r>
+          </a:p>
+        </p:txBody>
+      </p:sp>
+      <p:sp>
+        <p:nvSpPr>
+          <p:cNvPr id="19" name="TextBox 18">
+            <a:extLst>
+              <a:ext uri="{FF2B5EF4-FFF2-40B4-BE49-F238E27FC236}">
+                <a16:creationId xmlns:a16="http://schemas.microsoft.com/office/drawing/2014/main" id="{678D625A-8263-4B6A-BB07-34AC8EBAE7F6}"/>
+              </a:ext>
+            </a:extLst>
+          </p:cNvPr>
+          <p:cNvSpPr txBox="1"/>
+          <p:nvPr/>
+        </p:nvSpPr>
+        <p:spPr>
+          <a:xfrm>
+            <a:off x="3206540" y="2089818"/>
+            <a:ext cx="2332383" cy="461665"/>
+          </a:xfrm>
+          <a:prstGeom prst="rect">
+            <a:avLst/>
+          </a:prstGeom>
+          <a:noFill/>
+        </p:spPr>
+        <p:txBody>
+          <a:bodyPr wrap="square" rtlCol="0">
+            <a:spAutoFit/>
+          </a:bodyPr>
+          <a:lstStyle/>
+          <a:p>
+            <a:r>
+              <a:rPr lang="en-US" sz="1200" dirty="0"/>
+              <a:t>EC2 Instance Type (</a:t>
+            </a:r>
+            <a:r>
+              <a:rPr lang="en-US" sz="1200" i="1" dirty="0">
+                <a:solidFill>
+                  <a:srgbClr val="FF0000"/>
+                </a:solidFill>
+              </a:rPr>
+              <a:t>T2.micro</a:t>
+            </a:r>
+            <a:r>
+              <a:rPr lang="en-US" sz="1200" dirty="0"/>
+              <a:t>) and AMI Image Id (</a:t>
+            </a:r>
+            <a:r>
+              <a:rPr lang="en-US" sz="1200" i="1" dirty="0">
+                <a:solidFill>
+                  <a:srgbClr val="FF0000"/>
+                </a:solidFill>
+              </a:rPr>
+              <a:t>Standard Unix</a:t>
+            </a:r>
+            <a:r>
+              <a:rPr lang="en-US" sz="1200" dirty="0"/>
+              <a:t>)</a:t>
+            </a:r>
+            <a:endParaRPr lang="en-US" dirty="0"/>
+          </a:p>
+        </p:txBody>
+      </p:sp>
+      <p:sp>
+        <p:nvSpPr>
+          <p:cNvPr id="20" name="TextBox 19">
+            <a:extLst>
+              <a:ext uri="{FF2B5EF4-FFF2-40B4-BE49-F238E27FC236}">
+                <a16:creationId xmlns:a16="http://schemas.microsoft.com/office/drawing/2014/main" id="{59B4FFBF-A976-4C47-A763-220B91F1ED78}"/>
+              </a:ext>
+            </a:extLst>
+          </p:cNvPr>
+          <p:cNvSpPr txBox="1"/>
+          <p:nvPr/>
+        </p:nvSpPr>
+        <p:spPr>
+          <a:xfrm>
+            <a:off x="3206538" y="2558866"/>
+            <a:ext cx="2703931" cy="2308324"/>
+          </a:xfrm>
+          <a:prstGeom prst="rect">
+            <a:avLst/>
+          </a:prstGeom>
+          <a:noFill/>
+        </p:spPr>
+        <p:txBody>
+          <a:bodyPr wrap="square" rtlCol="0">
+            <a:spAutoFit/>
+          </a:bodyPr>
+          <a:lstStyle/>
+          <a:p>
+            <a:r>
+              <a:rPr lang="en-US" sz="1200" i="1" dirty="0">
+                <a:solidFill>
+                  <a:srgbClr val="FF0000"/>
+                </a:solidFill>
+              </a:rPr>
+              <a:t>HamsterEC2InstanceCF</a:t>
+            </a:r>
+          </a:p>
+          <a:p>
+            <a:r>
+              <a:rPr lang="en-US" sz="1200" i="1" dirty="0" err="1">
+                <a:solidFill>
+                  <a:srgbClr val="FF0000"/>
+                </a:solidFill>
+              </a:rPr>
+              <a:t>HamsterSecurityGroupCF</a:t>
+            </a:r>
+            <a:endParaRPr lang="en-US" sz="1200" i="1" dirty="0">
+              <a:solidFill>
+                <a:srgbClr val="FF0000"/>
+              </a:solidFill>
+            </a:endParaRPr>
+          </a:p>
+          <a:p>
+            <a:r>
+              <a:rPr lang="en-US" sz="1200" i="1" dirty="0" err="1">
+                <a:solidFill>
+                  <a:srgbClr val="FF0000"/>
+                </a:solidFill>
+              </a:rPr>
+              <a:t>UserData</a:t>
+            </a:r>
+            <a:r>
+              <a:rPr lang="en-US" sz="1200" i="1" dirty="0">
+                <a:solidFill>
+                  <a:srgbClr val="FF0000"/>
+                </a:solidFill>
+              </a:rPr>
+              <a:t> (64 bit encoded startup script)</a:t>
+            </a:r>
+          </a:p>
+          <a:p>
+            <a:r>
+              <a:rPr lang="en-US" sz="1200" i="1" dirty="0" err="1">
+                <a:solidFill>
+                  <a:srgbClr val="FF0000"/>
+                </a:solidFill>
+              </a:rPr>
+              <a:t>HamsterAutoScalingGroupCF</a:t>
+            </a:r>
+            <a:endParaRPr lang="en-US" sz="1200" i="1" dirty="0">
+              <a:solidFill>
+                <a:srgbClr val="FF0000"/>
+              </a:solidFill>
+            </a:endParaRPr>
+          </a:p>
+          <a:p>
+            <a:r>
+              <a:rPr lang="en-US" sz="1200" i="1" dirty="0" err="1">
+                <a:solidFill>
+                  <a:srgbClr val="FF0000"/>
+                </a:solidFill>
+              </a:rPr>
+              <a:t>HamsterLaunchConfigurationCF</a:t>
+            </a:r>
+            <a:endParaRPr lang="en-US" sz="1200" i="1" dirty="0">
+              <a:solidFill>
+                <a:srgbClr val="FF0000"/>
+              </a:solidFill>
+            </a:endParaRPr>
+          </a:p>
+          <a:p>
+            <a:r>
+              <a:rPr lang="en-US" sz="1200" i="1" dirty="0" err="1">
+                <a:solidFill>
+                  <a:srgbClr val="FF0000"/>
+                </a:solidFill>
+              </a:rPr>
+              <a:t>HamsterTargetGroupCF</a:t>
+            </a:r>
+            <a:endParaRPr lang="en-US" sz="1200" i="1" dirty="0">
+              <a:solidFill>
+                <a:srgbClr val="FF0000"/>
+              </a:solidFill>
+            </a:endParaRPr>
+          </a:p>
+          <a:p>
+            <a:r>
+              <a:rPr lang="en-US" sz="1200" i="1" dirty="0" err="1">
+                <a:solidFill>
+                  <a:srgbClr val="FF0000"/>
+                </a:solidFill>
+              </a:rPr>
+              <a:t>HamsterAutoScalingGroupPolicyCF</a:t>
+            </a:r>
+            <a:endParaRPr lang="en-US" sz="1200" i="1" dirty="0">
+              <a:solidFill>
+                <a:srgbClr val="FF0000"/>
+              </a:solidFill>
+            </a:endParaRPr>
+          </a:p>
+          <a:p>
+            <a:r>
+              <a:rPr lang="en-US" sz="1200" i="1" dirty="0" err="1">
+                <a:solidFill>
+                  <a:srgbClr val="FF0000"/>
+                </a:solidFill>
+              </a:rPr>
+              <a:t>HamsterIAMInstanceProfileCF</a:t>
+            </a:r>
+            <a:endParaRPr lang="en-US" sz="1200" i="1" dirty="0">
+              <a:solidFill>
+                <a:srgbClr val="FF0000"/>
+              </a:solidFill>
+            </a:endParaRPr>
+          </a:p>
+          <a:p>
+            <a:r>
+              <a:rPr lang="en-US" sz="1200" i="1" dirty="0">
+                <a:solidFill>
+                  <a:srgbClr val="FF0000"/>
+                </a:solidFill>
+              </a:rPr>
+              <a:t>HamsterEC2InstanceRoleCF</a:t>
+            </a:r>
+          </a:p>
+          <a:p>
+            <a:r>
+              <a:rPr lang="en-US" sz="1200" i="1" dirty="0" err="1">
+                <a:solidFill>
+                  <a:srgbClr val="FF0000"/>
+                </a:solidFill>
+              </a:rPr>
+              <a:t>HamsterLoadBalancerCF</a:t>
+            </a:r>
+            <a:endParaRPr lang="en-US" sz="1200" i="1" dirty="0">
+              <a:solidFill>
+                <a:srgbClr val="FF0000"/>
+              </a:solidFill>
+            </a:endParaRPr>
+          </a:p>
+          <a:p>
+            <a:r>
+              <a:rPr lang="en-US" sz="1200" i="1" dirty="0" err="1">
+                <a:solidFill>
+                  <a:srgbClr val="FF0000"/>
+                </a:solidFill>
+              </a:rPr>
+              <a:t>HamsterLoadBalancerSecurityGroupCF</a:t>
+            </a:r>
+            <a:endParaRPr lang="en-US" sz="1200" i="1" dirty="0">
+              <a:solidFill>
+                <a:srgbClr val="FF0000"/>
+              </a:solidFill>
+            </a:endParaRPr>
+          </a:p>
+          <a:p>
+            <a:r>
+              <a:rPr lang="en-US" sz="1200" i="1" dirty="0" err="1">
+                <a:solidFill>
+                  <a:srgbClr val="FF0000"/>
+                </a:solidFill>
+              </a:rPr>
+              <a:t>HamsterListenerCF</a:t>
+            </a:r>
+            <a:endParaRPr lang="en-US" sz="1200" i="1" dirty="0">
+              <a:solidFill>
+                <a:srgbClr val="FF0000"/>
+              </a:solidFill>
+            </a:endParaRPr>
+          </a:p>
+        </p:txBody>
+      </p:sp>
+    </p:spTree>
+    <p:extLst>
+      <p:ext uri="{BB962C8B-B14F-4D97-AF65-F5344CB8AC3E}">
+        <p14:creationId xmlns:p14="http://schemas.microsoft.com/office/powerpoint/2010/main" val="1303211165"/>
+      </p:ext>
+    </p:extLst>
+  </p:cSld>
+  <p:clrMapOvr>
+    <a:masterClrMapping/>
+  </p:clrMapOvr>
+</p:sld>
+</file>
+
 <file path=ppt/theme/theme1.xml><?xml version="1.0" encoding="utf-8"?>
 <a:theme xmlns:a="http://schemas.openxmlformats.org/drawingml/2006/main" name="Office Theme">
   <a:themeElements>
